--- a/PowerPointClientLourd.pptx
+++ b/PowerPointClientLourd.pptx
@@ -12,9 +12,10 @@
     <p:sldId id="261" r:id="rId6"/>
     <p:sldId id="264" r:id="rId7"/>
     <p:sldId id="262" r:id="rId8"/>
-    <p:sldId id="263" r:id="rId9"/>
-    <p:sldId id="257" r:id="rId10"/>
-    <p:sldId id="265" r:id="rId11"/>
+    <p:sldId id="266" r:id="rId9"/>
+    <p:sldId id="263" r:id="rId10"/>
+    <p:sldId id="257" r:id="rId11"/>
+    <p:sldId id="265" r:id="rId12"/>
   </p:sldIdLst>
   <p:sldSz cx="12192000" cy="6858000"/>
   <p:notesSz cx="6858000" cy="9144000"/>
@@ -113,6 +114,11 @@
       </a:defRPr>
     </a:lvl9pPr>
   </p:defaultTextStyle>
+  <p:extLst>
+    <p:ext uri="{EFAFB233-063F-42B5-8137-9DF3F51BA10A}">
+      <p15:sldGuideLst xmlns:p15="http://schemas.microsoft.com/office/powerpoint/2012/main"/>
+    </p:ext>
+  </p:extLst>
 </p:presentation>
 </file>
 
@@ -211,7 +217,7 @@
           <a:effectLst/>
           <a:extLst>
             <a:ext uri="{91240B29-F687-4f45-9708-019B960494DF}">
-              <a14:hiddenLine xmlns:a14="http://schemas.microsoft.com/office/drawing/2010/main" xmlns="" w="9525">
+              <a14:hiddenLine xmlns="" xmlns:a14="http://schemas.microsoft.com/office/drawing/2010/main" w="9525">
                 <a:solidFill>
                   <a:srgbClr val="000000"/>
                 </a:solidFill>
@@ -1721,7 +1727,7 @@
           <a:ln/>
           <a:extLst>
             <a:ext uri="{91240B29-F687-4f45-9708-019B960494DF}">
-              <a14:hiddenLine xmlns:a14="http://schemas.microsoft.com/office/drawing/2010/main" xmlns="" w="9525">
+              <a14:hiddenLine xmlns="" xmlns:a14="http://schemas.microsoft.com/office/drawing/2010/main" w="9525">
                 <a:solidFill>
                   <a:srgbClr val="000000"/>
                 </a:solidFill>
@@ -1993,7 +1999,7 @@
           <a:ln/>
           <a:extLst>
             <a:ext uri="{91240B29-F687-4f45-9708-019B960494DF}">
-              <a14:hiddenLine xmlns:a14="http://schemas.microsoft.com/office/drawing/2010/main" xmlns="" w="9525">
+              <a14:hiddenLine xmlns="" xmlns:a14="http://schemas.microsoft.com/office/drawing/2010/main" w="9525">
                 <a:solidFill>
                   <a:srgbClr val="000000"/>
                 </a:solidFill>
@@ -2273,7 +2279,7 @@
           <a:ln/>
           <a:extLst>
             <a:ext uri="{91240B29-F687-4f45-9708-019B960494DF}">
-              <a14:hiddenLine xmlns:a14="http://schemas.microsoft.com/office/drawing/2010/main" xmlns="" w="9525">
+              <a14:hiddenLine xmlns="" xmlns:a14="http://schemas.microsoft.com/office/drawing/2010/main" w="9525">
                 <a:solidFill>
                   <a:srgbClr val="000000"/>
                 </a:solidFill>
@@ -2893,7 +2899,7 @@
           <a:ln/>
           <a:extLst>
             <a:ext uri="{91240B29-F687-4f45-9708-019B960494DF}">
-              <a14:hiddenLine xmlns:a14="http://schemas.microsoft.com/office/drawing/2010/main" xmlns="" w="9525">
+              <a14:hiddenLine xmlns="" xmlns:a14="http://schemas.microsoft.com/office/drawing/2010/main" w="9525">
                 <a:solidFill>
                   <a:srgbClr val="000000"/>
                 </a:solidFill>
@@ -3229,7 +3235,7 @@
           <a:ln/>
           <a:extLst>
             <a:ext uri="{91240B29-F687-4f45-9708-019B960494DF}">
-              <a14:hiddenLine xmlns:a14="http://schemas.microsoft.com/office/drawing/2010/main" xmlns="" w="9525">
+              <a14:hiddenLine xmlns="" xmlns:a14="http://schemas.microsoft.com/office/drawing/2010/main" w="9525">
                 <a:solidFill>
                   <a:srgbClr val="000000"/>
                 </a:solidFill>
@@ -3703,7 +3709,7 @@
           <a:ln/>
           <a:extLst>
             <a:ext uri="{91240B29-F687-4f45-9708-019B960494DF}">
-              <a14:hiddenLine xmlns:a14="http://schemas.microsoft.com/office/drawing/2010/main" xmlns="" w="9525">
+              <a14:hiddenLine xmlns="" xmlns:a14="http://schemas.microsoft.com/office/drawing/2010/main" w="9525">
                 <a:solidFill>
                   <a:srgbClr val="000000"/>
                 </a:solidFill>
@@ -4126,7 +4132,7 @@
           <a:ln/>
           <a:extLst>
             <a:ext uri="{91240B29-F687-4f45-9708-019B960494DF}">
-              <a14:hiddenLine xmlns:a14="http://schemas.microsoft.com/office/drawing/2010/main" xmlns="" w="9525">
+              <a14:hiddenLine xmlns="" xmlns:a14="http://schemas.microsoft.com/office/drawing/2010/main" w="9525">
                 <a:solidFill>
                   <a:srgbClr val="000000"/>
                 </a:solidFill>
@@ -5442,1066 +5448,6 @@
           <p:cNvPr id="2" name="Titre 1">
             <a:extLst>
               <a:ext uri="{FF2B5EF4-FFF2-40B4-BE49-F238E27FC236}">
-                <a16:creationId xmlns:a16="http://schemas.microsoft.com/office/drawing/2014/main" id="{ED2F8AD8-38A8-4BAE-905D-7A363A5DBF8B}"/>
-              </a:ext>
-            </a:extLst>
-          </p:cNvPr>
-          <p:cNvSpPr>
-            <a:spLocks noGrp="1"/>
-          </p:cNvSpPr>
-          <p:nvPr>
-            <p:ph type="title"/>
-          </p:nvPr>
-        </p:nvSpPr>
-        <p:spPr/>
-        <p:txBody>
-          <a:bodyPr/>
-          <a:lstStyle/>
-          <a:p>
-            <a:r>
-              <a:rPr lang="fr-FR" dirty="0"/>
-              <a:t>Conclusion</a:t>
-            </a:r>
-          </a:p>
-        </p:txBody>
-      </p:sp>
-      <p:sp>
-        <p:nvSpPr>
-          <p:cNvPr id="3" name="Espace réservé du contenu 2">
-            <a:extLst>
-              <a:ext uri="{FF2B5EF4-FFF2-40B4-BE49-F238E27FC236}">
-                <a16:creationId xmlns:a16="http://schemas.microsoft.com/office/drawing/2014/main" id="{E97BB167-7039-4F94-9DBF-9DBD0AF9D024}"/>
-              </a:ext>
-            </a:extLst>
-          </p:cNvPr>
-          <p:cNvSpPr>
-            <a:spLocks noGrp="1"/>
-          </p:cNvSpPr>
-          <p:nvPr>
-            <p:ph idx="1"/>
-          </p:nvPr>
-        </p:nvSpPr>
-        <p:spPr/>
-        <p:txBody>
-          <a:bodyPr/>
-          <a:lstStyle/>
-          <a:p>
-            <a:r>
-              <a:rPr lang="fr-FR" sz="1400" dirty="0"/>
-              <a:t>Auto-critique</a:t>
-            </a:r>
-          </a:p>
-          <a:p>
-            <a:pPr lvl="1"/>
-            <a:r>
-              <a:rPr lang="fr-FR" sz="1200" dirty="0"/>
-              <a:t>Manque de factorisation</a:t>
-            </a:r>
-          </a:p>
-          <a:p>
-            <a:pPr lvl="1"/>
-            <a:r>
-              <a:rPr lang="fr-FR" sz="1200" dirty="0"/>
-              <a:t>Rendre le client lourd plus rapide</a:t>
-            </a:r>
-          </a:p>
-          <a:p>
-            <a:pPr lvl="1"/>
-            <a:r>
-              <a:rPr lang="fr-FR" sz="1200" dirty="0"/>
-              <a:t>Passage sur l’api prochain</a:t>
-            </a:r>
-          </a:p>
-          <a:p>
-            <a:pPr lvl="1"/>
-            <a:r>
-              <a:rPr lang="fr-FR" sz="1200" dirty="0"/>
-              <a:t>Meilleur contrôle pour les champs textes et sur les </a:t>
-            </a:r>
-            <a:r>
-              <a:rPr lang="fr-FR" sz="1200" dirty="0" err="1"/>
-              <a:t>passwords</a:t>
-            </a:r>
-            <a:endParaRPr lang="fr-FR" sz="1200" dirty="0"/>
-          </a:p>
-          <a:p>
-            <a:pPr lvl="1"/>
-            <a:r>
-              <a:rPr lang="fr-FR" sz="1200" dirty="0"/>
-              <a:t>Meilleure utilisation possible du xml</a:t>
-            </a:r>
-          </a:p>
-          <a:p>
-            <a:pPr lvl="2"/>
-            <a:r>
-              <a:rPr lang="fr-FR" sz="1000" dirty="0" err="1"/>
-              <a:t>Datatemplate</a:t>
-            </a:r>
-            <a:endParaRPr lang="fr-FR" sz="1000" dirty="0"/>
-          </a:p>
-          <a:p>
-            <a:pPr lvl="2"/>
-            <a:r>
-              <a:rPr lang="fr-FR" sz="1000" dirty="0"/>
-              <a:t>Rule avec </a:t>
-            </a:r>
-            <a:r>
-              <a:rPr lang="fr-FR" sz="1000" dirty="0" err="1"/>
-              <a:t>databing</a:t>
-            </a:r>
-            <a:r>
-              <a:rPr lang="fr-FR" sz="1000" dirty="0"/>
-              <a:t> (</a:t>
-            </a:r>
-            <a:r>
-              <a:rPr lang="fr-FR" sz="1000" dirty="0" err="1"/>
-              <a:t>wrapper</a:t>
-            </a:r>
-            <a:r>
-              <a:rPr lang="fr-FR" sz="1000" dirty="0"/>
-              <a:t>)</a:t>
-            </a:r>
-          </a:p>
-          <a:p>
-            <a:r>
-              <a:rPr lang="fr-FR" sz="1400" dirty="0"/>
-              <a:t>Remonter sur le projet</a:t>
-            </a:r>
-          </a:p>
-          <a:p>
-            <a:pPr lvl="1"/>
-            <a:r>
-              <a:rPr lang="fr-FR" sz="1200" dirty="0"/>
-              <a:t>Plus de fonctionnalités à implémenter</a:t>
-            </a:r>
-          </a:p>
-        </p:txBody>
-      </p:sp>
-    </p:spTree>
-    <p:extLst>
-      <p:ext uri="{BB962C8B-B14F-4D97-AF65-F5344CB8AC3E}">
-        <p14:creationId xmlns:p14="http://schemas.microsoft.com/office/powerpoint/2010/main" val="2836091685"/>
-      </p:ext>
-    </p:extLst>
-  </p:cSld>
-  <p:clrMapOvr>
-    <a:masterClrMapping/>
-  </p:clrMapOvr>
-</p:sld>
-</file>
-
-<file path=ppt/slides/slide2.xml><?xml version="1.0" encoding="utf-8"?>
-<p:sld xmlns:a="http://schemas.openxmlformats.org/drawingml/2006/main" xmlns:r="http://schemas.openxmlformats.org/officeDocument/2006/relationships" xmlns:p="http://schemas.openxmlformats.org/presentationml/2006/main">
-  <p:cSld>
-    <p:spTree>
-      <p:nvGrpSpPr>
-        <p:cNvPr id="1" name=""/>
-        <p:cNvGrpSpPr/>
-        <p:nvPr/>
-      </p:nvGrpSpPr>
-      <p:grpSpPr>
-        <a:xfrm>
-          <a:off x="0" y="0"/>
-          <a:ext cx="0" cy="0"/>
-          <a:chOff x="0" y="0"/>
-          <a:chExt cx="0" cy="0"/>
-        </a:xfrm>
-      </p:grpSpPr>
-      <p:sp>
-        <p:nvSpPr>
-          <p:cNvPr id="2" name="Titre 1">
-            <a:extLst>
-              <a:ext uri="{FF2B5EF4-FFF2-40B4-BE49-F238E27FC236}">
-                <a16:creationId xmlns:a16="http://schemas.microsoft.com/office/drawing/2014/main" id="{CC4E1923-6C64-410C-BEDC-323874571D75}"/>
-              </a:ext>
-            </a:extLst>
-          </p:cNvPr>
-          <p:cNvSpPr>
-            <a:spLocks noGrp="1"/>
-          </p:cNvSpPr>
-          <p:nvPr>
-            <p:ph type="title"/>
-          </p:nvPr>
-        </p:nvSpPr>
-        <p:spPr/>
-        <p:txBody>
-          <a:bodyPr/>
-          <a:lstStyle/>
-          <a:p>
-            <a:r>
-              <a:rPr lang="fr-FR" dirty="0"/>
-              <a:t>Sommaire</a:t>
-            </a:r>
-          </a:p>
-        </p:txBody>
-      </p:sp>
-      <p:sp>
-        <p:nvSpPr>
-          <p:cNvPr id="3" name="Espace réservé du contenu 2">
-            <a:extLst>
-              <a:ext uri="{FF2B5EF4-FFF2-40B4-BE49-F238E27FC236}">
-                <a16:creationId xmlns:a16="http://schemas.microsoft.com/office/drawing/2014/main" id="{76B14177-795F-4021-A710-EE6FC7E74500}"/>
-              </a:ext>
-            </a:extLst>
-          </p:cNvPr>
-          <p:cNvSpPr>
-            <a:spLocks noGrp="1"/>
-          </p:cNvSpPr>
-          <p:nvPr>
-            <p:ph idx="1"/>
-          </p:nvPr>
-        </p:nvSpPr>
-        <p:spPr>
-          <a:xfrm>
-            <a:off x="818712" y="2222287"/>
-            <a:ext cx="10554574" cy="4514073"/>
-          </a:xfrm>
-        </p:spPr>
-        <p:txBody>
-          <a:bodyPr>
-            <a:normAutofit/>
-          </a:bodyPr>
-          <a:lstStyle/>
-          <a:p>
-            <a:r>
-              <a:rPr lang="fr-FR" sz="1400" dirty="0"/>
-              <a:t>Description du besoin et du contexte</a:t>
-            </a:r>
-          </a:p>
-          <a:p>
-            <a:r>
-              <a:rPr lang="fr-FR" sz="1400" dirty="0"/>
-              <a:t>Gestion de projet</a:t>
-            </a:r>
-          </a:p>
-          <a:p>
-            <a:pPr lvl="1"/>
-            <a:r>
-              <a:rPr lang="fr-FR" sz="1400" dirty="0"/>
-              <a:t>Équipe</a:t>
-            </a:r>
-          </a:p>
-          <a:p>
-            <a:pPr lvl="1"/>
-            <a:r>
-              <a:rPr lang="fr-FR" sz="1400" dirty="0"/>
-              <a:t>Planning</a:t>
-            </a:r>
-          </a:p>
-          <a:p>
-            <a:pPr lvl="1"/>
-            <a:r>
-              <a:rPr lang="fr-FR" sz="1400" dirty="0"/>
-              <a:t>Mise en œuvre</a:t>
-            </a:r>
-          </a:p>
-          <a:p>
-            <a:r>
-              <a:rPr lang="fr-FR" sz="1400" dirty="0"/>
-              <a:t>Vision globale</a:t>
-            </a:r>
-          </a:p>
-          <a:p>
-            <a:pPr lvl="1"/>
-            <a:r>
-              <a:rPr lang="fr-FR" sz="1400" dirty="0"/>
-              <a:t>Architecture</a:t>
-            </a:r>
-          </a:p>
-          <a:p>
-            <a:pPr lvl="1"/>
-            <a:r>
-              <a:rPr lang="fr-FR" sz="1400" dirty="0"/>
-              <a:t>Fonctionnalités</a:t>
-            </a:r>
-          </a:p>
-          <a:p>
-            <a:r>
-              <a:rPr lang="fr-FR" sz="1400" dirty="0"/>
-              <a:t>Vision technique</a:t>
-            </a:r>
-          </a:p>
-          <a:p>
-            <a:r>
-              <a:rPr lang="fr-FR" sz="1400" dirty="0"/>
-              <a:t>Conclusion</a:t>
-            </a:r>
-          </a:p>
-          <a:p>
-            <a:pPr lvl="1"/>
-            <a:r>
-              <a:rPr lang="fr-FR" sz="1200" dirty="0"/>
-              <a:t>Auto-critique</a:t>
-            </a:r>
-          </a:p>
-          <a:p>
-            <a:pPr lvl="1"/>
-            <a:r>
-              <a:rPr lang="fr-FR" sz="1200" dirty="0"/>
-              <a:t>Remonter sur le projet</a:t>
-            </a:r>
-          </a:p>
-          <a:p>
-            <a:pPr lvl="1"/>
-            <a:endParaRPr lang="fr-FR" sz="1400" dirty="0"/>
-          </a:p>
-          <a:p>
-            <a:endParaRPr lang="fr-FR" sz="1400" dirty="0"/>
-          </a:p>
-        </p:txBody>
-      </p:sp>
-    </p:spTree>
-    <p:extLst>
-      <p:ext uri="{BB962C8B-B14F-4D97-AF65-F5344CB8AC3E}">
-        <p14:creationId xmlns:p14="http://schemas.microsoft.com/office/powerpoint/2010/main" val="3617589437"/>
-      </p:ext>
-    </p:extLst>
-  </p:cSld>
-  <p:clrMapOvr>
-    <a:masterClrMapping/>
-  </p:clrMapOvr>
-</p:sld>
-</file>
-
-<file path=ppt/slides/slide3.xml><?xml version="1.0" encoding="utf-8"?>
-<p:sld xmlns:a="http://schemas.openxmlformats.org/drawingml/2006/main" xmlns:r="http://schemas.openxmlformats.org/officeDocument/2006/relationships" xmlns:p="http://schemas.openxmlformats.org/presentationml/2006/main">
-  <p:cSld>
-    <p:spTree>
-      <p:nvGrpSpPr>
-        <p:cNvPr id="1" name=""/>
-        <p:cNvGrpSpPr/>
-        <p:nvPr/>
-      </p:nvGrpSpPr>
-      <p:grpSpPr>
-        <a:xfrm>
-          <a:off x="0" y="0"/>
-          <a:ext cx="0" cy="0"/>
-          <a:chOff x="0" y="0"/>
-          <a:chExt cx="0" cy="0"/>
-        </a:xfrm>
-      </p:grpSpPr>
-      <p:sp>
-        <p:nvSpPr>
-          <p:cNvPr id="2" name="Titre 1">
-            <a:extLst>
-              <a:ext uri="{FF2B5EF4-FFF2-40B4-BE49-F238E27FC236}">
-                <a16:creationId xmlns:a16="http://schemas.microsoft.com/office/drawing/2014/main" id="{37BCBD5E-959B-46BC-86BC-EC9F6B95DF82}"/>
-              </a:ext>
-            </a:extLst>
-          </p:cNvPr>
-          <p:cNvSpPr>
-            <a:spLocks noGrp="1"/>
-          </p:cNvSpPr>
-          <p:nvPr>
-            <p:ph type="title"/>
-          </p:nvPr>
-        </p:nvSpPr>
-        <p:spPr/>
-        <p:txBody>
-          <a:bodyPr/>
-          <a:lstStyle/>
-          <a:p>
-            <a:r>
-              <a:rPr lang="fr-FR" dirty="0"/>
-              <a:t>Contexte et besoin</a:t>
-            </a:r>
-          </a:p>
-        </p:txBody>
-      </p:sp>
-      <p:sp>
-        <p:nvSpPr>
-          <p:cNvPr id="3" name="Espace réservé du contenu 2">
-            <a:extLst>
-              <a:ext uri="{FF2B5EF4-FFF2-40B4-BE49-F238E27FC236}">
-                <a16:creationId xmlns:a16="http://schemas.microsoft.com/office/drawing/2014/main" id="{2B164467-8D94-41F1-B5A8-E1F8B974C056}"/>
-              </a:ext>
-            </a:extLst>
-          </p:cNvPr>
-          <p:cNvSpPr>
-            <a:spLocks noGrp="1"/>
-          </p:cNvSpPr>
-          <p:nvPr>
-            <p:ph idx="1"/>
-          </p:nvPr>
-        </p:nvSpPr>
-        <p:spPr/>
-        <p:txBody>
-          <a:bodyPr>
-            <a:normAutofit/>
-          </a:bodyPr>
-          <a:lstStyle/>
-          <a:p>
-            <a:r>
-              <a:rPr lang="fr-FR" sz="1400" dirty="0"/>
-              <a:t>Mise en place d’une plateforme de rencontre entre professionnels et artistes.</a:t>
-            </a:r>
-          </a:p>
-          <a:p>
-            <a:r>
-              <a:rPr lang="fr-FR" sz="1400" dirty="0"/>
-              <a:t>Client lourd d’administration disponible en local.</a:t>
-            </a:r>
-          </a:p>
-          <a:p>
-            <a:r>
-              <a:rPr lang="fr-FR" sz="1400" dirty="0"/>
-              <a:t>Mise en plus de flux de donnée pour éviter le </a:t>
-            </a:r>
-            <a:r>
-              <a:rPr lang="fr-FR" sz="1400" dirty="0" err="1"/>
-              <a:t>WebScrapping</a:t>
-            </a:r>
-            <a:r>
-              <a:rPr lang="fr-FR" sz="1400" dirty="0"/>
-              <a:t>.</a:t>
-            </a:r>
-          </a:p>
-          <a:p>
-            <a:r>
-              <a:rPr lang="fr-FR" sz="1400" dirty="0"/>
-              <a:t>Mise en place d’une architecture réseau.</a:t>
-            </a:r>
-          </a:p>
-          <a:p>
-            <a:pPr marL="0" indent="0">
-              <a:buNone/>
-            </a:pPr>
-            <a:endParaRPr lang="fr-FR" sz="1400" dirty="0"/>
-          </a:p>
-        </p:txBody>
-      </p:sp>
-    </p:spTree>
-    <p:extLst>
-      <p:ext uri="{BB962C8B-B14F-4D97-AF65-F5344CB8AC3E}">
-        <p14:creationId xmlns:p14="http://schemas.microsoft.com/office/powerpoint/2010/main" val="2193292448"/>
-      </p:ext>
-    </p:extLst>
-  </p:cSld>
-  <p:clrMapOvr>
-    <a:masterClrMapping/>
-  </p:clrMapOvr>
-</p:sld>
-</file>
-
-<file path=ppt/slides/slide4.xml><?xml version="1.0" encoding="utf-8"?>
-<p:sld xmlns:a="http://schemas.openxmlformats.org/drawingml/2006/main" xmlns:r="http://schemas.openxmlformats.org/officeDocument/2006/relationships" xmlns:p="http://schemas.openxmlformats.org/presentationml/2006/main">
-  <p:cSld>
-    <p:spTree>
-      <p:nvGrpSpPr>
-        <p:cNvPr id="1" name=""/>
-        <p:cNvGrpSpPr/>
-        <p:nvPr/>
-      </p:nvGrpSpPr>
-      <p:grpSpPr>
-        <a:xfrm>
-          <a:off x="0" y="0"/>
-          <a:ext cx="0" cy="0"/>
-          <a:chOff x="0" y="0"/>
-          <a:chExt cx="0" cy="0"/>
-        </a:xfrm>
-      </p:grpSpPr>
-      <p:sp>
-        <p:nvSpPr>
-          <p:cNvPr id="2" name="Titre 1">
-            <a:extLst>
-              <a:ext uri="{FF2B5EF4-FFF2-40B4-BE49-F238E27FC236}">
-                <a16:creationId xmlns:a16="http://schemas.microsoft.com/office/drawing/2014/main" id="{7BECE13F-8F6D-49FC-BDF8-38DAFC54E343}"/>
-              </a:ext>
-            </a:extLst>
-          </p:cNvPr>
-          <p:cNvSpPr>
-            <a:spLocks noGrp="1"/>
-          </p:cNvSpPr>
-          <p:nvPr>
-            <p:ph type="title"/>
-          </p:nvPr>
-        </p:nvSpPr>
-        <p:spPr/>
-        <p:txBody>
-          <a:bodyPr/>
-          <a:lstStyle/>
-          <a:p>
-            <a:r>
-              <a:rPr lang="fr-FR" dirty="0"/>
-              <a:t>Équipe</a:t>
-            </a:r>
-          </a:p>
-        </p:txBody>
-      </p:sp>
-      <p:sp>
-        <p:nvSpPr>
-          <p:cNvPr id="3" name="Espace réservé du contenu 2">
-            <a:extLst>
-              <a:ext uri="{FF2B5EF4-FFF2-40B4-BE49-F238E27FC236}">
-                <a16:creationId xmlns:a16="http://schemas.microsoft.com/office/drawing/2014/main" id="{90A0F814-4946-4DE4-B48C-325DE47E1883}"/>
-              </a:ext>
-            </a:extLst>
-          </p:cNvPr>
-          <p:cNvSpPr>
-            <a:spLocks noGrp="1"/>
-          </p:cNvSpPr>
-          <p:nvPr>
-            <p:ph idx="1"/>
-          </p:nvPr>
-        </p:nvSpPr>
-        <p:spPr/>
-        <p:txBody>
-          <a:bodyPr>
-            <a:normAutofit/>
-          </a:bodyPr>
-          <a:lstStyle/>
-          <a:p>
-            <a:r>
-              <a:rPr lang="fr-FR" sz="1400" dirty="0"/>
-              <a:t>S. </a:t>
-            </a:r>
-            <a:r>
-              <a:rPr lang="fr-FR" sz="1400" dirty="0" err="1"/>
-              <a:t>Lecann</a:t>
-            </a:r>
-            <a:r>
-              <a:rPr lang="fr-FR" sz="1400" dirty="0"/>
-              <a:t>, alternant développeur DIRISI, Brest.</a:t>
-            </a:r>
-          </a:p>
-          <a:p>
-            <a:r>
-              <a:rPr lang="fr-FR" sz="1400" dirty="0"/>
-              <a:t>B. Ragot, alternant développeur RAPIDO, Mayenne.</a:t>
-            </a:r>
-          </a:p>
-        </p:txBody>
-      </p:sp>
-    </p:spTree>
-    <p:extLst>
-      <p:ext uri="{BB962C8B-B14F-4D97-AF65-F5344CB8AC3E}">
-        <p14:creationId xmlns:p14="http://schemas.microsoft.com/office/powerpoint/2010/main" val="3368916978"/>
-      </p:ext>
-    </p:extLst>
-  </p:cSld>
-  <p:clrMapOvr>
-    <a:masterClrMapping/>
-  </p:clrMapOvr>
-</p:sld>
-</file>
-
-<file path=ppt/slides/slide5.xml><?xml version="1.0" encoding="utf-8"?>
-<p:sld xmlns:a="http://schemas.openxmlformats.org/drawingml/2006/main" xmlns:r="http://schemas.openxmlformats.org/officeDocument/2006/relationships" xmlns:p="http://schemas.openxmlformats.org/presentationml/2006/main">
-  <p:cSld>
-    <p:spTree>
-      <p:nvGrpSpPr>
-        <p:cNvPr id="1" name=""/>
-        <p:cNvGrpSpPr/>
-        <p:nvPr/>
-      </p:nvGrpSpPr>
-      <p:grpSpPr>
-        <a:xfrm>
-          <a:off x="0" y="0"/>
-          <a:ext cx="0" cy="0"/>
-          <a:chOff x="0" y="0"/>
-          <a:chExt cx="0" cy="0"/>
-        </a:xfrm>
-      </p:grpSpPr>
-      <p:sp>
-        <p:nvSpPr>
-          <p:cNvPr id="2" name="Titre 1">
-            <a:extLst>
-              <a:ext uri="{FF2B5EF4-FFF2-40B4-BE49-F238E27FC236}">
-                <a16:creationId xmlns:a16="http://schemas.microsoft.com/office/drawing/2014/main" id="{95B0A12D-570D-43E0-ABE3-BB061F887E10}"/>
-              </a:ext>
-            </a:extLst>
-          </p:cNvPr>
-          <p:cNvSpPr>
-            <a:spLocks noGrp="1"/>
-          </p:cNvSpPr>
-          <p:nvPr>
-            <p:ph type="title"/>
-          </p:nvPr>
-        </p:nvSpPr>
-        <p:spPr/>
-        <p:txBody>
-          <a:bodyPr/>
-          <a:lstStyle/>
-          <a:p>
-            <a:r>
-              <a:rPr lang="fr-FR" dirty="0"/>
-              <a:t>Planning</a:t>
-            </a:r>
-          </a:p>
-        </p:txBody>
-      </p:sp>
-      <p:pic>
-        <p:nvPicPr>
-          <p:cNvPr id="4" name="Image 3">
-            <a:extLst>
-              <a:ext uri="{FF2B5EF4-FFF2-40B4-BE49-F238E27FC236}">
-                <a16:creationId xmlns:a16="http://schemas.microsoft.com/office/drawing/2014/main" id="{EBAD8ABA-0673-45C7-95F2-A210743C2961}"/>
-              </a:ext>
-            </a:extLst>
-          </p:cNvPr>
-          <p:cNvPicPr>
-            <a:picLocks noChangeAspect="1"/>
-          </p:cNvPicPr>
-          <p:nvPr/>
-        </p:nvPicPr>
-        <p:blipFill>
-          <a:blip r:embed="rId2"/>
-          <a:stretch>
-            <a:fillRect/>
-          </a:stretch>
-        </p:blipFill>
-        <p:spPr>
-          <a:xfrm>
-            <a:off x="3008974" y="2197915"/>
-            <a:ext cx="8223885" cy="4427725"/>
-          </a:xfrm>
-          <a:prstGeom prst="rect">
-            <a:avLst/>
-          </a:prstGeom>
-        </p:spPr>
-      </p:pic>
-    </p:spTree>
-    <p:extLst>
-      <p:ext uri="{BB962C8B-B14F-4D97-AF65-F5344CB8AC3E}">
-        <p14:creationId xmlns:p14="http://schemas.microsoft.com/office/powerpoint/2010/main" val="1979124290"/>
-      </p:ext>
-    </p:extLst>
-  </p:cSld>
-  <p:clrMapOvr>
-    <a:masterClrMapping/>
-  </p:clrMapOvr>
-</p:sld>
-</file>
-
-<file path=ppt/slides/slide6.xml><?xml version="1.0" encoding="utf-8"?>
-<p:sld xmlns:a="http://schemas.openxmlformats.org/drawingml/2006/main" xmlns:r="http://schemas.openxmlformats.org/officeDocument/2006/relationships" xmlns:p="http://schemas.openxmlformats.org/presentationml/2006/main">
-  <p:cSld>
-    <p:spTree>
-      <p:nvGrpSpPr>
-        <p:cNvPr id="1" name=""/>
-        <p:cNvGrpSpPr/>
-        <p:nvPr/>
-      </p:nvGrpSpPr>
-      <p:grpSpPr>
-        <a:xfrm>
-          <a:off x="0" y="0"/>
-          <a:ext cx="0" cy="0"/>
-          <a:chOff x="0" y="0"/>
-          <a:chExt cx="0" cy="0"/>
-        </a:xfrm>
-      </p:grpSpPr>
-      <p:sp>
-        <p:nvSpPr>
-          <p:cNvPr id="2" name="Titre 1">
-            <a:extLst>
-              <a:ext uri="{FF2B5EF4-FFF2-40B4-BE49-F238E27FC236}">
-                <a16:creationId xmlns:a16="http://schemas.microsoft.com/office/drawing/2014/main" id="{80F892B1-3B36-45C8-946B-41178666639E}"/>
-              </a:ext>
-            </a:extLst>
-          </p:cNvPr>
-          <p:cNvSpPr>
-            <a:spLocks noGrp="1"/>
-          </p:cNvSpPr>
-          <p:nvPr>
-            <p:ph type="title"/>
-          </p:nvPr>
-        </p:nvSpPr>
-        <p:spPr/>
-        <p:txBody>
-          <a:bodyPr/>
-          <a:lstStyle/>
-          <a:p>
-            <a:r>
-              <a:rPr lang="fr-FR" dirty="0"/>
-              <a:t>Mise en </a:t>
-            </a:r>
-            <a:r>
-              <a:rPr lang="fr-FR" dirty="0" err="1"/>
-              <a:t>oeuvre</a:t>
-            </a:r>
-            <a:endParaRPr lang="fr-FR" dirty="0"/>
-          </a:p>
-        </p:txBody>
-      </p:sp>
-      <p:sp>
-        <p:nvSpPr>
-          <p:cNvPr id="3" name="Espace réservé du contenu 2">
-            <a:extLst>
-              <a:ext uri="{FF2B5EF4-FFF2-40B4-BE49-F238E27FC236}">
-                <a16:creationId xmlns:a16="http://schemas.microsoft.com/office/drawing/2014/main" id="{53F05C4E-F87C-42EF-B630-4483F1A6DABD}"/>
-              </a:ext>
-            </a:extLst>
-          </p:cNvPr>
-          <p:cNvSpPr>
-            <a:spLocks noGrp="1"/>
-          </p:cNvSpPr>
-          <p:nvPr>
-            <p:ph idx="1"/>
-          </p:nvPr>
-        </p:nvSpPr>
-        <p:spPr>
-          <a:xfrm>
-            <a:off x="818712" y="2222287"/>
-            <a:ext cx="3895901" cy="3636511"/>
-          </a:xfrm>
-        </p:spPr>
-        <p:txBody>
-          <a:bodyPr/>
-          <a:lstStyle/>
-          <a:p>
-            <a:r>
-              <a:rPr lang="fr-FR" dirty="0" err="1"/>
-              <a:t>Versionning</a:t>
-            </a:r>
-            <a:r>
-              <a:rPr lang="fr-FR" dirty="0"/>
-              <a:t> (GitHub)</a:t>
-            </a:r>
-          </a:p>
-          <a:p>
-            <a:r>
-              <a:rPr lang="fr-FR" dirty="0"/>
-              <a:t>Intégration continue</a:t>
-            </a:r>
-          </a:p>
-          <a:p>
-            <a:r>
-              <a:rPr lang="fr-FR" dirty="0"/>
-              <a:t>Rédaction du cahiers des charges</a:t>
-            </a:r>
-          </a:p>
-          <a:p>
-            <a:r>
-              <a:rPr lang="fr-FR" dirty="0"/>
-              <a:t>Analyse détaillé (UML, Merise)</a:t>
-            </a:r>
-          </a:p>
-          <a:p>
-            <a:r>
-              <a:rPr lang="fr-FR" dirty="0"/>
-              <a:t>Analyse de risque</a:t>
-            </a:r>
-          </a:p>
-          <a:p>
-            <a:r>
-              <a:rPr lang="fr-FR" dirty="0"/>
-              <a:t>…</a:t>
-            </a:r>
-          </a:p>
-          <a:p>
-            <a:endParaRPr lang="fr-FR" dirty="0"/>
-          </a:p>
-          <a:p>
-            <a:endParaRPr lang="fr-FR" dirty="0"/>
-          </a:p>
-        </p:txBody>
-      </p:sp>
-    </p:spTree>
-    <p:extLst>
-      <p:ext uri="{BB962C8B-B14F-4D97-AF65-F5344CB8AC3E}">
-        <p14:creationId xmlns:p14="http://schemas.microsoft.com/office/powerpoint/2010/main" val="3992469964"/>
-      </p:ext>
-    </p:extLst>
-  </p:cSld>
-  <p:clrMapOvr>
-    <a:masterClrMapping/>
-  </p:clrMapOvr>
-</p:sld>
-</file>
-
-<file path=ppt/slides/slide7.xml><?xml version="1.0" encoding="utf-8"?>
-<p:sld xmlns:a="http://schemas.openxmlformats.org/drawingml/2006/main" xmlns:r="http://schemas.openxmlformats.org/officeDocument/2006/relationships" xmlns:p="http://schemas.openxmlformats.org/presentationml/2006/main">
-  <p:cSld>
-    <p:spTree>
-      <p:nvGrpSpPr>
-        <p:cNvPr id="1" name=""/>
-        <p:cNvGrpSpPr/>
-        <p:nvPr/>
-      </p:nvGrpSpPr>
-      <p:grpSpPr>
-        <a:xfrm>
-          <a:off x="0" y="0"/>
-          <a:ext cx="0" cy="0"/>
-          <a:chOff x="0" y="0"/>
-          <a:chExt cx="0" cy="0"/>
-        </a:xfrm>
-      </p:grpSpPr>
-      <p:sp>
-        <p:nvSpPr>
-          <p:cNvPr id="2" name="Titre 1">
-            <a:extLst>
-              <a:ext uri="{FF2B5EF4-FFF2-40B4-BE49-F238E27FC236}">
-                <a16:creationId xmlns:a16="http://schemas.microsoft.com/office/drawing/2014/main" id="{25388600-2B88-4C13-83E5-2AC90718424D}"/>
-              </a:ext>
-            </a:extLst>
-          </p:cNvPr>
-          <p:cNvSpPr>
-            <a:spLocks noGrp="1"/>
-          </p:cNvSpPr>
-          <p:nvPr>
-            <p:ph type="title"/>
-          </p:nvPr>
-        </p:nvSpPr>
-        <p:spPr/>
-        <p:txBody>
-          <a:bodyPr/>
-          <a:lstStyle/>
-          <a:p>
-            <a:r>
-              <a:rPr lang="fr-FR" dirty="0"/>
-              <a:t>Architecture</a:t>
-            </a:r>
-          </a:p>
-        </p:txBody>
-      </p:sp>
-      <p:pic>
-        <p:nvPicPr>
-          <p:cNvPr id="5" name="Image 4">
-            <a:extLst>
-              <a:ext uri="{FF2B5EF4-FFF2-40B4-BE49-F238E27FC236}">
-                <a16:creationId xmlns:a16="http://schemas.microsoft.com/office/drawing/2014/main" id="{F5464513-1326-48E4-A535-C2F2FAE79FC5}"/>
-              </a:ext>
-            </a:extLst>
-          </p:cNvPr>
-          <p:cNvPicPr>
-            <a:picLocks noChangeAspect="1"/>
-          </p:cNvPicPr>
-          <p:nvPr/>
-        </p:nvPicPr>
-        <p:blipFill>
-          <a:blip r:embed="rId2"/>
-          <a:stretch>
-            <a:fillRect/>
-          </a:stretch>
-        </p:blipFill>
-        <p:spPr>
-          <a:xfrm>
-            <a:off x="551838" y="2714491"/>
-            <a:ext cx="5313743" cy="3333969"/>
-          </a:xfrm>
-          <a:prstGeom prst="rect">
-            <a:avLst/>
-          </a:prstGeom>
-        </p:spPr>
-      </p:pic>
-      <p:pic>
-        <p:nvPicPr>
-          <p:cNvPr id="7" name="Image 6">
-            <a:extLst>
-              <a:ext uri="{FF2B5EF4-FFF2-40B4-BE49-F238E27FC236}">
-                <a16:creationId xmlns:a16="http://schemas.microsoft.com/office/drawing/2014/main" id="{4DCB0B13-FD6C-48FA-BB94-FC100F689DAC}"/>
-              </a:ext>
-            </a:extLst>
-          </p:cNvPr>
-          <p:cNvPicPr>
-            <a:picLocks noChangeAspect="1"/>
-          </p:cNvPicPr>
-          <p:nvPr/>
-        </p:nvPicPr>
-        <p:blipFill>
-          <a:blip r:embed="rId3"/>
-          <a:stretch>
-            <a:fillRect/>
-          </a:stretch>
-        </p:blipFill>
-        <p:spPr>
-          <a:xfrm>
-            <a:off x="6752062" y="2567959"/>
-            <a:ext cx="4629936" cy="3627035"/>
-          </a:xfrm>
-          <a:prstGeom prst="rect">
-            <a:avLst/>
-          </a:prstGeom>
-        </p:spPr>
-      </p:pic>
-    </p:spTree>
-    <p:extLst>
-      <p:ext uri="{BB962C8B-B14F-4D97-AF65-F5344CB8AC3E}">
-        <p14:creationId xmlns:p14="http://schemas.microsoft.com/office/powerpoint/2010/main" val="416827492"/>
-      </p:ext>
-    </p:extLst>
-  </p:cSld>
-  <p:clrMapOvr>
-    <a:masterClrMapping/>
-  </p:clrMapOvr>
-</p:sld>
-</file>
-
-<file path=ppt/slides/slide8.xml><?xml version="1.0" encoding="utf-8"?>
-<p:sld xmlns:a="http://schemas.openxmlformats.org/drawingml/2006/main" xmlns:r="http://schemas.openxmlformats.org/officeDocument/2006/relationships" xmlns:p="http://schemas.openxmlformats.org/presentationml/2006/main">
-  <p:cSld>
-    <p:spTree>
-      <p:nvGrpSpPr>
-        <p:cNvPr id="1" name=""/>
-        <p:cNvGrpSpPr/>
-        <p:nvPr/>
-      </p:nvGrpSpPr>
-      <p:grpSpPr>
-        <a:xfrm>
-          <a:off x="0" y="0"/>
-          <a:ext cx="0" cy="0"/>
-          <a:chOff x="0" y="0"/>
-          <a:chExt cx="0" cy="0"/>
-        </a:xfrm>
-      </p:grpSpPr>
-      <p:sp>
-        <p:nvSpPr>
-          <p:cNvPr id="2" name="Titre 1">
-            <a:extLst>
-              <a:ext uri="{FF2B5EF4-FFF2-40B4-BE49-F238E27FC236}">
-                <a16:creationId xmlns:a16="http://schemas.microsoft.com/office/drawing/2014/main" id="{F7732BA5-9AE6-46DF-87E9-0AE7B0CE94CC}"/>
-              </a:ext>
-            </a:extLst>
-          </p:cNvPr>
-          <p:cNvSpPr>
-            <a:spLocks noGrp="1"/>
-          </p:cNvSpPr>
-          <p:nvPr>
-            <p:ph type="title"/>
-          </p:nvPr>
-        </p:nvSpPr>
-        <p:spPr/>
-        <p:txBody>
-          <a:bodyPr/>
-          <a:lstStyle/>
-          <a:p>
-            <a:r>
-              <a:rPr lang="fr-FR" dirty="0"/>
-              <a:t>Fonctionnalités</a:t>
-            </a:r>
-          </a:p>
-        </p:txBody>
-      </p:sp>
-      <p:sp>
-        <p:nvSpPr>
-          <p:cNvPr id="3" name="Espace réservé du contenu 2">
-            <a:extLst>
-              <a:ext uri="{FF2B5EF4-FFF2-40B4-BE49-F238E27FC236}">
-                <a16:creationId xmlns:a16="http://schemas.microsoft.com/office/drawing/2014/main" id="{F01C8A4A-EAA0-46AC-A065-E69C00765F28}"/>
-              </a:ext>
-            </a:extLst>
-          </p:cNvPr>
-          <p:cNvSpPr>
-            <a:spLocks noGrp="1"/>
-          </p:cNvSpPr>
-          <p:nvPr>
-            <p:ph idx="1"/>
-          </p:nvPr>
-        </p:nvSpPr>
-        <p:spPr>
-          <a:xfrm>
-            <a:off x="172759" y="2432011"/>
-            <a:ext cx="3845567" cy="3636511"/>
-          </a:xfrm>
-        </p:spPr>
-        <p:txBody>
-          <a:bodyPr>
-            <a:normAutofit/>
-          </a:bodyPr>
-          <a:lstStyle/>
-          <a:p>
-            <a:r>
-              <a:rPr lang="fr-FR" sz="1200" dirty="0"/>
-              <a:t>Gestion des offres</a:t>
-            </a:r>
-          </a:p>
-          <a:p>
-            <a:r>
-              <a:rPr lang="fr-FR" sz="1200" dirty="0"/>
-              <a:t>Gestion des prospects</a:t>
-            </a:r>
-          </a:p>
-          <a:p>
-            <a:r>
-              <a:rPr lang="fr-FR" sz="1200" dirty="0"/>
-              <a:t>Gestion des listes de référentiels</a:t>
-            </a:r>
-          </a:p>
-          <a:p>
-            <a:r>
-              <a:rPr lang="fr-FR" sz="1200" dirty="0"/>
-              <a:t>Personnalisation</a:t>
-            </a:r>
-          </a:p>
-          <a:p>
-            <a:r>
-              <a:rPr lang="fr-FR" sz="1200" dirty="0"/>
-              <a:t>Connexion</a:t>
-            </a:r>
-          </a:p>
-          <a:p>
-            <a:pPr marL="0" indent="0">
-              <a:buNone/>
-            </a:pPr>
-            <a:endParaRPr lang="fr-FR" sz="1200" dirty="0"/>
-          </a:p>
-        </p:txBody>
-      </p:sp>
-      <p:pic>
-        <p:nvPicPr>
-          <p:cNvPr id="4" name="Image 3">
-            <a:extLst>
-              <a:ext uri="{FF2B5EF4-FFF2-40B4-BE49-F238E27FC236}">
-                <a16:creationId xmlns:a16="http://schemas.microsoft.com/office/drawing/2014/main" id="{6096A467-1A2E-4FAE-A878-814930A7F51A}"/>
-              </a:ext>
-            </a:extLst>
-          </p:cNvPr>
-          <p:cNvPicPr>
-            <a:picLocks noChangeAspect="1"/>
-          </p:cNvPicPr>
-          <p:nvPr/>
-        </p:nvPicPr>
-        <p:blipFill>
-          <a:blip r:embed="rId2"/>
-          <a:stretch>
-            <a:fillRect/>
-          </a:stretch>
-        </p:blipFill>
-        <p:spPr>
-          <a:xfrm>
-            <a:off x="3875714" y="2432011"/>
-            <a:ext cx="7418664" cy="3742936"/>
-          </a:xfrm>
-          <a:prstGeom prst="rect">
-            <a:avLst/>
-          </a:prstGeom>
-        </p:spPr>
-      </p:pic>
-    </p:spTree>
-    <p:extLst>
-      <p:ext uri="{BB962C8B-B14F-4D97-AF65-F5344CB8AC3E}">
-        <p14:creationId xmlns:p14="http://schemas.microsoft.com/office/powerpoint/2010/main" val="698124689"/>
-      </p:ext>
-    </p:extLst>
-  </p:cSld>
-  <p:clrMapOvr>
-    <a:masterClrMapping/>
-  </p:clrMapOvr>
-</p:sld>
-</file>
-
-<file path=ppt/slides/slide9.xml><?xml version="1.0" encoding="utf-8"?>
-<p:sld xmlns:a="http://schemas.openxmlformats.org/drawingml/2006/main" xmlns:r="http://schemas.openxmlformats.org/officeDocument/2006/relationships" xmlns:p="http://schemas.openxmlformats.org/presentationml/2006/main">
-  <p:cSld>
-    <p:spTree>
-      <p:nvGrpSpPr>
-        <p:cNvPr id="1" name=""/>
-        <p:cNvGrpSpPr/>
-        <p:nvPr/>
-      </p:nvGrpSpPr>
-      <p:grpSpPr>
-        <a:xfrm>
-          <a:off x="0" y="0"/>
-          <a:ext cx="0" cy="0"/>
-          <a:chOff x="0" y="0"/>
-          <a:chExt cx="0" cy="0"/>
-        </a:xfrm>
-      </p:grpSpPr>
-      <p:sp>
-        <p:nvSpPr>
-          <p:cNvPr id="2" name="Titre 1">
-            <a:extLst>
-              <a:ext uri="{FF2B5EF4-FFF2-40B4-BE49-F238E27FC236}">
                 <a16:creationId xmlns:a16="http://schemas.microsoft.com/office/drawing/2014/main" id="{EBE3F11F-2990-4613-B8E9-3B4FCB4BDA8B}"/>
               </a:ext>
             </a:extLst>
@@ -6685,6 +5631,1229 @@
     <p:extLst>
       <p:ext uri="{BB962C8B-B14F-4D97-AF65-F5344CB8AC3E}">
         <p14:creationId xmlns:p14="http://schemas.microsoft.com/office/powerpoint/2010/main" val="6782001"/>
+      </p:ext>
+    </p:extLst>
+  </p:cSld>
+  <p:clrMapOvr>
+    <a:masterClrMapping/>
+  </p:clrMapOvr>
+</p:sld>
+</file>
+
+<file path=ppt/slides/slide11.xml><?xml version="1.0" encoding="utf-8"?>
+<p:sld xmlns:a="http://schemas.openxmlformats.org/drawingml/2006/main" xmlns:r="http://schemas.openxmlformats.org/officeDocument/2006/relationships" xmlns:p="http://schemas.openxmlformats.org/presentationml/2006/main">
+  <p:cSld>
+    <p:spTree>
+      <p:nvGrpSpPr>
+        <p:cNvPr id="1" name=""/>
+        <p:cNvGrpSpPr/>
+        <p:nvPr/>
+      </p:nvGrpSpPr>
+      <p:grpSpPr>
+        <a:xfrm>
+          <a:off x="0" y="0"/>
+          <a:ext cx="0" cy="0"/>
+          <a:chOff x="0" y="0"/>
+          <a:chExt cx="0" cy="0"/>
+        </a:xfrm>
+      </p:grpSpPr>
+      <p:sp>
+        <p:nvSpPr>
+          <p:cNvPr id="2" name="Titre 1">
+            <a:extLst>
+              <a:ext uri="{FF2B5EF4-FFF2-40B4-BE49-F238E27FC236}">
+                <a16:creationId xmlns:a16="http://schemas.microsoft.com/office/drawing/2014/main" id="{ED2F8AD8-38A8-4BAE-905D-7A363A5DBF8B}"/>
+              </a:ext>
+            </a:extLst>
+          </p:cNvPr>
+          <p:cNvSpPr>
+            <a:spLocks noGrp="1"/>
+          </p:cNvSpPr>
+          <p:nvPr>
+            <p:ph type="title"/>
+          </p:nvPr>
+        </p:nvSpPr>
+        <p:spPr/>
+        <p:txBody>
+          <a:bodyPr/>
+          <a:lstStyle/>
+          <a:p>
+            <a:r>
+              <a:rPr lang="fr-FR" dirty="0"/>
+              <a:t>Conclusion</a:t>
+            </a:r>
+          </a:p>
+        </p:txBody>
+      </p:sp>
+      <p:sp>
+        <p:nvSpPr>
+          <p:cNvPr id="3" name="Espace réservé du contenu 2">
+            <a:extLst>
+              <a:ext uri="{FF2B5EF4-FFF2-40B4-BE49-F238E27FC236}">
+                <a16:creationId xmlns:a16="http://schemas.microsoft.com/office/drawing/2014/main" id="{E97BB167-7039-4F94-9DBF-9DBD0AF9D024}"/>
+              </a:ext>
+            </a:extLst>
+          </p:cNvPr>
+          <p:cNvSpPr>
+            <a:spLocks noGrp="1"/>
+          </p:cNvSpPr>
+          <p:nvPr>
+            <p:ph idx="1"/>
+          </p:nvPr>
+        </p:nvSpPr>
+        <p:spPr/>
+        <p:txBody>
+          <a:bodyPr/>
+          <a:lstStyle/>
+          <a:p>
+            <a:r>
+              <a:rPr lang="fr-FR" sz="1400" dirty="0"/>
+              <a:t>Auto-critique</a:t>
+            </a:r>
+          </a:p>
+          <a:p>
+            <a:pPr lvl="1"/>
+            <a:r>
+              <a:rPr lang="fr-FR" sz="1200" dirty="0"/>
+              <a:t>Manque de factorisation</a:t>
+            </a:r>
+          </a:p>
+          <a:p>
+            <a:pPr lvl="1"/>
+            <a:r>
+              <a:rPr lang="fr-FR" sz="1200" dirty="0"/>
+              <a:t>Rendre le client lourd plus rapide</a:t>
+            </a:r>
+          </a:p>
+          <a:p>
+            <a:pPr lvl="1"/>
+            <a:r>
+              <a:rPr lang="fr-FR" sz="1200" dirty="0"/>
+              <a:t>Passage sur l’api prochain</a:t>
+            </a:r>
+          </a:p>
+          <a:p>
+            <a:pPr lvl="1"/>
+            <a:r>
+              <a:rPr lang="fr-FR" sz="1200" dirty="0"/>
+              <a:t>Meilleur contrôle pour les champs textes et sur les </a:t>
+            </a:r>
+            <a:r>
+              <a:rPr lang="fr-FR" sz="1200" dirty="0" err="1"/>
+              <a:t>passwords</a:t>
+            </a:r>
+            <a:endParaRPr lang="fr-FR" sz="1200" dirty="0"/>
+          </a:p>
+          <a:p>
+            <a:pPr lvl="1"/>
+            <a:r>
+              <a:rPr lang="fr-FR" sz="1200" dirty="0"/>
+              <a:t>Meilleure utilisation possible du xml</a:t>
+            </a:r>
+          </a:p>
+          <a:p>
+            <a:pPr lvl="2"/>
+            <a:r>
+              <a:rPr lang="fr-FR" sz="1000" dirty="0" err="1"/>
+              <a:t>Datatemplate</a:t>
+            </a:r>
+            <a:endParaRPr lang="fr-FR" sz="1000" dirty="0"/>
+          </a:p>
+          <a:p>
+            <a:pPr lvl="2"/>
+            <a:r>
+              <a:rPr lang="fr-FR" sz="1000" dirty="0"/>
+              <a:t>Rule avec </a:t>
+            </a:r>
+            <a:r>
+              <a:rPr lang="fr-FR" sz="1000" dirty="0" err="1"/>
+              <a:t>databing</a:t>
+            </a:r>
+            <a:r>
+              <a:rPr lang="fr-FR" sz="1000" dirty="0"/>
+              <a:t> (</a:t>
+            </a:r>
+            <a:r>
+              <a:rPr lang="fr-FR" sz="1000" dirty="0" err="1"/>
+              <a:t>wrapper</a:t>
+            </a:r>
+            <a:r>
+              <a:rPr lang="fr-FR" sz="1000" dirty="0"/>
+              <a:t>)</a:t>
+            </a:r>
+          </a:p>
+          <a:p>
+            <a:r>
+              <a:rPr lang="fr-FR" sz="1400" dirty="0"/>
+              <a:t>Remonter sur le projet</a:t>
+            </a:r>
+          </a:p>
+          <a:p>
+            <a:pPr lvl="1"/>
+            <a:r>
+              <a:rPr lang="fr-FR" sz="1200" dirty="0"/>
+              <a:t>Plus de fonctionnalités à implémenter</a:t>
+            </a:r>
+          </a:p>
+        </p:txBody>
+      </p:sp>
+    </p:spTree>
+    <p:extLst>
+      <p:ext uri="{BB962C8B-B14F-4D97-AF65-F5344CB8AC3E}">
+        <p14:creationId xmlns:p14="http://schemas.microsoft.com/office/powerpoint/2010/main" val="2836091685"/>
+      </p:ext>
+    </p:extLst>
+  </p:cSld>
+  <p:clrMapOvr>
+    <a:masterClrMapping/>
+  </p:clrMapOvr>
+</p:sld>
+</file>
+
+<file path=ppt/slides/slide2.xml><?xml version="1.0" encoding="utf-8"?>
+<p:sld xmlns:a="http://schemas.openxmlformats.org/drawingml/2006/main" xmlns:r="http://schemas.openxmlformats.org/officeDocument/2006/relationships" xmlns:p="http://schemas.openxmlformats.org/presentationml/2006/main">
+  <p:cSld>
+    <p:spTree>
+      <p:nvGrpSpPr>
+        <p:cNvPr id="1" name=""/>
+        <p:cNvGrpSpPr/>
+        <p:nvPr/>
+      </p:nvGrpSpPr>
+      <p:grpSpPr>
+        <a:xfrm>
+          <a:off x="0" y="0"/>
+          <a:ext cx="0" cy="0"/>
+          <a:chOff x="0" y="0"/>
+          <a:chExt cx="0" cy="0"/>
+        </a:xfrm>
+      </p:grpSpPr>
+      <p:sp>
+        <p:nvSpPr>
+          <p:cNvPr id="2" name="Titre 1">
+            <a:extLst>
+              <a:ext uri="{FF2B5EF4-FFF2-40B4-BE49-F238E27FC236}">
+                <a16:creationId xmlns:a16="http://schemas.microsoft.com/office/drawing/2014/main" id="{CC4E1923-6C64-410C-BEDC-323874571D75}"/>
+              </a:ext>
+            </a:extLst>
+          </p:cNvPr>
+          <p:cNvSpPr>
+            <a:spLocks noGrp="1"/>
+          </p:cNvSpPr>
+          <p:nvPr>
+            <p:ph type="title"/>
+          </p:nvPr>
+        </p:nvSpPr>
+        <p:spPr/>
+        <p:txBody>
+          <a:bodyPr/>
+          <a:lstStyle/>
+          <a:p>
+            <a:r>
+              <a:rPr lang="fr-FR" dirty="0"/>
+              <a:t>Sommaire</a:t>
+            </a:r>
+          </a:p>
+        </p:txBody>
+      </p:sp>
+      <p:sp>
+        <p:nvSpPr>
+          <p:cNvPr id="3" name="Espace réservé du contenu 2">
+            <a:extLst>
+              <a:ext uri="{FF2B5EF4-FFF2-40B4-BE49-F238E27FC236}">
+                <a16:creationId xmlns:a16="http://schemas.microsoft.com/office/drawing/2014/main" id="{76B14177-795F-4021-A710-EE6FC7E74500}"/>
+              </a:ext>
+            </a:extLst>
+          </p:cNvPr>
+          <p:cNvSpPr>
+            <a:spLocks noGrp="1"/>
+          </p:cNvSpPr>
+          <p:nvPr>
+            <p:ph idx="1"/>
+          </p:nvPr>
+        </p:nvSpPr>
+        <p:spPr>
+          <a:xfrm>
+            <a:off x="818712" y="2222287"/>
+            <a:ext cx="10554574" cy="4514073"/>
+          </a:xfrm>
+        </p:spPr>
+        <p:txBody>
+          <a:bodyPr>
+            <a:normAutofit/>
+          </a:bodyPr>
+          <a:lstStyle/>
+          <a:p>
+            <a:r>
+              <a:rPr lang="fr-FR" sz="1400" dirty="0"/>
+              <a:t>Description du besoin et du contexte</a:t>
+            </a:r>
+          </a:p>
+          <a:p>
+            <a:r>
+              <a:rPr lang="fr-FR" sz="1400" dirty="0"/>
+              <a:t>Gestion de projet</a:t>
+            </a:r>
+          </a:p>
+          <a:p>
+            <a:pPr lvl="1"/>
+            <a:r>
+              <a:rPr lang="fr-FR" sz="1400" dirty="0"/>
+              <a:t>Équipe</a:t>
+            </a:r>
+          </a:p>
+          <a:p>
+            <a:pPr lvl="1"/>
+            <a:r>
+              <a:rPr lang="fr-FR" sz="1400" dirty="0"/>
+              <a:t>Planning</a:t>
+            </a:r>
+          </a:p>
+          <a:p>
+            <a:pPr lvl="1"/>
+            <a:r>
+              <a:rPr lang="fr-FR" sz="1400" dirty="0"/>
+              <a:t>Mise en œuvre</a:t>
+            </a:r>
+          </a:p>
+          <a:p>
+            <a:r>
+              <a:rPr lang="fr-FR" sz="1400" dirty="0"/>
+              <a:t>Vision globale</a:t>
+            </a:r>
+          </a:p>
+          <a:p>
+            <a:pPr lvl="1"/>
+            <a:r>
+              <a:rPr lang="fr-FR" sz="1400" dirty="0"/>
+              <a:t>Architecture</a:t>
+            </a:r>
+          </a:p>
+          <a:p>
+            <a:pPr lvl="1"/>
+            <a:r>
+              <a:rPr lang="fr-FR" sz="1400" dirty="0"/>
+              <a:t>Fonctionnalités</a:t>
+            </a:r>
+          </a:p>
+          <a:p>
+            <a:r>
+              <a:rPr lang="fr-FR" sz="1400" dirty="0"/>
+              <a:t>Vision technique</a:t>
+            </a:r>
+          </a:p>
+          <a:p>
+            <a:r>
+              <a:rPr lang="fr-FR" sz="1400" dirty="0"/>
+              <a:t>Conclusion</a:t>
+            </a:r>
+          </a:p>
+          <a:p>
+            <a:pPr lvl="1"/>
+            <a:r>
+              <a:rPr lang="fr-FR" sz="1200" dirty="0"/>
+              <a:t>Auto-critique</a:t>
+            </a:r>
+          </a:p>
+          <a:p>
+            <a:pPr lvl="1"/>
+            <a:r>
+              <a:rPr lang="fr-FR" sz="1200" dirty="0"/>
+              <a:t>Remonter sur le projet</a:t>
+            </a:r>
+          </a:p>
+          <a:p>
+            <a:pPr lvl="1"/>
+            <a:endParaRPr lang="fr-FR" sz="1400" dirty="0"/>
+          </a:p>
+          <a:p>
+            <a:endParaRPr lang="fr-FR" sz="1400" dirty="0"/>
+          </a:p>
+        </p:txBody>
+      </p:sp>
+    </p:spTree>
+    <p:extLst>
+      <p:ext uri="{BB962C8B-B14F-4D97-AF65-F5344CB8AC3E}">
+        <p14:creationId xmlns:p14="http://schemas.microsoft.com/office/powerpoint/2010/main" val="3617589437"/>
+      </p:ext>
+    </p:extLst>
+  </p:cSld>
+  <p:clrMapOvr>
+    <a:masterClrMapping/>
+  </p:clrMapOvr>
+</p:sld>
+</file>
+
+<file path=ppt/slides/slide3.xml><?xml version="1.0" encoding="utf-8"?>
+<p:sld xmlns:a="http://schemas.openxmlformats.org/drawingml/2006/main" xmlns:r="http://schemas.openxmlformats.org/officeDocument/2006/relationships" xmlns:p="http://schemas.openxmlformats.org/presentationml/2006/main">
+  <p:cSld>
+    <p:spTree>
+      <p:nvGrpSpPr>
+        <p:cNvPr id="1" name=""/>
+        <p:cNvGrpSpPr/>
+        <p:nvPr/>
+      </p:nvGrpSpPr>
+      <p:grpSpPr>
+        <a:xfrm>
+          <a:off x="0" y="0"/>
+          <a:ext cx="0" cy="0"/>
+          <a:chOff x="0" y="0"/>
+          <a:chExt cx="0" cy="0"/>
+        </a:xfrm>
+      </p:grpSpPr>
+      <p:sp>
+        <p:nvSpPr>
+          <p:cNvPr id="2" name="Titre 1">
+            <a:extLst>
+              <a:ext uri="{FF2B5EF4-FFF2-40B4-BE49-F238E27FC236}">
+                <a16:creationId xmlns:a16="http://schemas.microsoft.com/office/drawing/2014/main" id="{37BCBD5E-959B-46BC-86BC-EC9F6B95DF82}"/>
+              </a:ext>
+            </a:extLst>
+          </p:cNvPr>
+          <p:cNvSpPr>
+            <a:spLocks noGrp="1"/>
+          </p:cNvSpPr>
+          <p:nvPr>
+            <p:ph type="title"/>
+          </p:nvPr>
+        </p:nvSpPr>
+        <p:spPr/>
+        <p:txBody>
+          <a:bodyPr/>
+          <a:lstStyle/>
+          <a:p>
+            <a:r>
+              <a:rPr lang="fr-FR" dirty="0"/>
+              <a:t>Contexte et besoin</a:t>
+            </a:r>
+          </a:p>
+        </p:txBody>
+      </p:sp>
+      <p:sp>
+        <p:nvSpPr>
+          <p:cNvPr id="3" name="Espace réservé du contenu 2">
+            <a:extLst>
+              <a:ext uri="{FF2B5EF4-FFF2-40B4-BE49-F238E27FC236}">
+                <a16:creationId xmlns:a16="http://schemas.microsoft.com/office/drawing/2014/main" id="{2B164467-8D94-41F1-B5A8-E1F8B974C056}"/>
+              </a:ext>
+            </a:extLst>
+          </p:cNvPr>
+          <p:cNvSpPr>
+            <a:spLocks noGrp="1"/>
+          </p:cNvSpPr>
+          <p:nvPr>
+            <p:ph idx="1"/>
+          </p:nvPr>
+        </p:nvSpPr>
+        <p:spPr/>
+        <p:txBody>
+          <a:bodyPr>
+            <a:normAutofit/>
+          </a:bodyPr>
+          <a:lstStyle/>
+          <a:p>
+            <a:r>
+              <a:rPr lang="fr-FR" sz="1400" dirty="0"/>
+              <a:t>Mise en place d’une plateforme de rencontre entre professionnels et artistes.</a:t>
+            </a:r>
+          </a:p>
+          <a:p>
+            <a:r>
+              <a:rPr lang="fr-FR" sz="1400" dirty="0"/>
+              <a:t>Client lourd d’administration disponible en local.</a:t>
+            </a:r>
+          </a:p>
+          <a:p>
+            <a:r>
+              <a:rPr lang="fr-FR" sz="1400" dirty="0"/>
+              <a:t>Mise en plus de flux de donnée pour éviter le </a:t>
+            </a:r>
+            <a:r>
+              <a:rPr lang="fr-FR" sz="1400" dirty="0" err="1"/>
+              <a:t>WebScrapping</a:t>
+            </a:r>
+            <a:r>
+              <a:rPr lang="fr-FR" sz="1400" dirty="0"/>
+              <a:t>.</a:t>
+            </a:r>
+          </a:p>
+          <a:p>
+            <a:r>
+              <a:rPr lang="fr-FR" sz="1400" dirty="0"/>
+              <a:t>Mise en place d’une architecture réseau.</a:t>
+            </a:r>
+          </a:p>
+          <a:p>
+            <a:pPr marL="0" indent="0">
+              <a:buNone/>
+            </a:pPr>
+            <a:endParaRPr lang="fr-FR" sz="1400" dirty="0"/>
+          </a:p>
+        </p:txBody>
+      </p:sp>
+    </p:spTree>
+    <p:extLst>
+      <p:ext uri="{BB962C8B-B14F-4D97-AF65-F5344CB8AC3E}">
+        <p14:creationId xmlns:p14="http://schemas.microsoft.com/office/powerpoint/2010/main" val="2193292448"/>
+      </p:ext>
+    </p:extLst>
+  </p:cSld>
+  <p:clrMapOvr>
+    <a:masterClrMapping/>
+  </p:clrMapOvr>
+</p:sld>
+</file>
+
+<file path=ppt/slides/slide4.xml><?xml version="1.0" encoding="utf-8"?>
+<p:sld xmlns:a="http://schemas.openxmlformats.org/drawingml/2006/main" xmlns:r="http://schemas.openxmlformats.org/officeDocument/2006/relationships" xmlns:p="http://schemas.openxmlformats.org/presentationml/2006/main">
+  <p:cSld>
+    <p:spTree>
+      <p:nvGrpSpPr>
+        <p:cNvPr id="1" name=""/>
+        <p:cNvGrpSpPr/>
+        <p:nvPr/>
+      </p:nvGrpSpPr>
+      <p:grpSpPr>
+        <a:xfrm>
+          <a:off x="0" y="0"/>
+          <a:ext cx="0" cy="0"/>
+          <a:chOff x="0" y="0"/>
+          <a:chExt cx="0" cy="0"/>
+        </a:xfrm>
+      </p:grpSpPr>
+      <p:sp>
+        <p:nvSpPr>
+          <p:cNvPr id="2" name="Titre 1">
+            <a:extLst>
+              <a:ext uri="{FF2B5EF4-FFF2-40B4-BE49-F238E27FC236}">
+                <a16:creationId xmlns:a16="http://schemas.microsoft.com/office/drawing/2014/main" id="{7BECE13F-8F6D-49FC-BDF8-38DAFC54E343}"/>
+              </a:ext>
+            </a:extLst>
+          </p:cNvPr>
+          <p:cNvSpPr>
+            <a:spLocks noGrp="1"/>
+          </p:cNvSpPr>
+          <p:nvPr>
+            <p:ph type="title"/>
+          </p:nvPr>
+        </p:nvSpPr>
+        <p:spPr/>
+        <p:txBody>
+          <a:bodyPr/>
+          <a:lstStyle/>
+          <a:p>
+            <a:r>
+              <a:rPr lang="fr-FR" dirty="0"/>
+              <a:t>Équipe</a:t>
+            </a:r>
+          </a:p>
+        </p:txBody>
+      </p:sp>
+      <p:sp>
+        <p:nvSpPr>
+          <p:cNvPr id="3" name="Espace réservé du contenu 2">
+            <a:extLst>
+              <a:ext uri="{FF2B5EF4-FFF2-40B4-BE49-F238E27FC236}">
+                <a16:creationId xmlns:a16="http://schemas.microsoft.com/office/drawing/2014/main" id="{90A0F814-4946-4DE4-B48C-325DE47E1883}"/>
+              </a:ext>
+            </a:extLst>
+          </p:cNvPr>
+          <p:cNvSpPr>
+            <a:spLocks noGrp="1"/>
+          </p:cNvSpPr>
+          <p:nvPr>
+            <p:ph idx="1"/>
+          </p:nvPr>
+        </p:nvSpPr>
+        <p:spPr/>
+        <p:txBody>
+          <a:bodyPr>
+            <a:normAutofit/>
+          </a:bodyPr>
+          <a:lstStyle/>
+          <a:p>
+            <a:r>
+              <a:rPr lang="fr-FR" sz="1400" dirty="0"/>
+              <a:t>S. </a:t>
+            </a:r>
+            <a:r>
+              <a:rPr lang="fr-FR" sz="1400" dirty="0" err="1"/>
+              <a:t>Lecann</a:t>
+            </a:r>
+            <a:r>
+              <a:rPr lang="fr-FR" sz="1400" dirty="0"/>
+              <a:t>, alternant développeur DIRISI, Brest.</a:t>
+            </a:r>
+          </a:p>
+          <a:p>
+            <a:r>
+              <a:rPr lang="fr-FR" sz="1400" dirty="0"/>
+              <a:t>B. Ragot, alternant développeur RAPIDO, Mayenne.</a:t>
+            </a:r>
+          </a:p>
+        </p:txBody>
+      </p:sp>
+    </p:spTree>
+    <p:extLst>
+      <p:ext uri="{BB962C8B-B14F-4D97-AF65-F5344CB8AC3E}">
+        <p14:creationId xmlns:p14="http://schemas.microsoft.com/office/powerpoint/2010/main" val="3368916978"/>
+      </p:ext>
+    </p:extLst>
+  </p:cSld>
+  <p:clrMapOvr>
+    <a:masterClrMapping/>
+  </p:clrMapOvr>
+</p:sld>
+</file>
+
+<file path=ppt/slides/slide5.xml><?xml version="1.0" encoding="utf-8"?>
+<p:sld xmlns:a="http://schemas.openxmlformats.org/drawingml/2006/main" xmlns:r="http://schemas.openxmlformats.org/officeDocument/2006/relationships" xmlns:p="http://schemas.openxmlformats.org/presentationml/2006/main">
+  <p:cSld>
+    <p:spTree>
+      <p:nvGrpSpPr>
+        <p:cNvPr id="1" name=""/>
+        <p:cNvGrpSpPr/>
+        <p:nvPr/>
+      </p:nvGrpSpPr>
+      <p:grpSpPr>
+        <a:xfrm>
+          <a:off x="0" y="0"/>
+          <a:ext cx="0" cy="0"/>
+          <a:chOff x="0" y="0"/>
+          <a:chExt cx="0" cy="0"/>
+        </a:xfrm>
+      </p:grpSpPr>
+      <p:sp>
+        <p:nvSpPr>
+          <p:cNvPr id="2" name="Titre 1">
+            <a:extLst>
+              <a:ext uri="{FF2B5EF4-FFF2-40B4-BE49-F238E27FC236}">
+                <a16:creationId xmlns:a16="http://schemas.microsoft.com/office/drawing/2014/main" id="{95B0A12D-570D-43E0-ABE3-BB061F887E10}"/>
+              </a:ext>
+            </a:extLst>
+          </p:cNvPr>
+          <p:cNvSpPr>
+            <a:spLocks noGrp="1"/>
+          </p:cNvSpPr>
+          <p:nvPr>
+            <p:ph type="title"/>
+          </p:nvPr>
+        </p:nvSpPr>
+        <p:spPr/>
+        <p:txBody>
+          <a:bodyPr/>
+          <a:lstStyle/>
+          <a:p>
+            <a:r>
+              <a:rPr lang="fr-FR" dirty="0"/>
+              <a:t>Planning</a:t>
+            </a:r>
+          </a:p>
+        </p:txBody>
+      </p:sp>
+      <p:pic>
+        <p:nvPicPr>
+          <p:cNvPr id="4" name="Image 3">
+            <a:extLst>
+              <a:ext uri="{FF2B5EF4-FFF2-40B4-BE49-F238E27FC236}">
+                <a16:creationId xmlns:a16="http://schemas.microsoft.com/office/drawing/2014/main" id="{EBAD8ABA-0673-45C7-95F2-A210743C2961}"/>
+              </a:ext>
+            </a:extLst>
+          </p:cNvPr>
+          <p:cNvPicPr>
+            <a:picLocks noChangeAspect="1"/>
+          </p:cNvPicPr>
+          <p:nvPr/>
+        </p:nvPicPr>
+        <p:blipFill>
+          <a:blip r:embed="rId2"/>
+          <a:stretch>
+            <a:fillRect/>
+          </a:stretch>
+        </p:blipFill>
+        <p:spPr>
+          <a:xfrm>
+            <a:off x="3008974" y="2197915"/>
+            <a:ext cx="8223885" cy="4427725"/>
+          </a:xfrm>
+          <a:prstGeom prst="rect">
+            <a:avLst/>
+          </a:prstGeom>
+        </p:spPr>
+      </p:pic>
+    </p:spTree>
+    <p:extLst>
+      <p:ext uri="{BB962C8B-B14F-4D97-AF65-F5344CB8AC3E}">
+        <p14:creationId xmlns:p14="http://schemas.microsoft.com/office/powerpoint/2010/main" val="1979124290"/>
+      </p:ext>
+    </p:extLst>
+  </p:cSld>
+  <p:clrMapOvr>
+    <a:masterClrMapping/>
+  </p:clrMapOvr>
+</p:sld>
+</file>
+
+<file path=ppt/slides/slide6.xml><?xml version="1.0" encoding="utf-8"?>
+<p:sld xmlns:a="http://schemas.openxmlformats.org/drawingml/2006/main" xmlns:r="http://schemas.openxmlformats.org/officeDocument/2006/relationships" xmlns:p="http://schemas.openxmlformats.org/presentationml/2006/main">
+  <p:cSld>
+    <p:spTree>
+      <p:nvGrpSpPr>
+        <p:cNvPr id="1" name=""/>
+        <p:cNvGrpSpPr/>
+        <p:nvPr/>
+      </p:nvGrpSpPr>
+      <p:grpSpPr>
+        <a:xfrm>
+          <a:off x="0" y="0"/>
+          <a:ext cx="0" cy="0"/>
+          <a:chOff x="0" y="0"/>
+          <a:chExt cx="0" cy="0"/>
+        </a:xfrm>
+      </p:grpSpPr>
+      <p:sp>
+        <p:nvSpPr>
+          <p:cNvPr id="2" name="Titre 1">
+            <a:extLst>
+              <a:ext uri="{FF2B5EF4-FFF2-40B4-BE49-F238E27FC236}">
+                <a16:creationId xmlns:a16="http://schemas.microsoft.com/office/drawing/2014/main" id="{80F892B1-3B36-45C8-946B-41178666639E}"/>
+              </a:ext>
+            </a:extLst>
+          </p:cNvPr>
+          <p:cNvSpPr>
+            <a:spLocks noGrp="1"/>
+          </p:cNvSpPr>
+          <p:nvPr>
+            <p:ph type="title"/>
+          </p:nvPr>
+        </p:nvSpPr>
+        <p:spPr/>
+        <p:txBody>
+          <a:bodyPr/>
+          <a:lstStyle/>
+          <a:p>
+            <a:r>
+              <a:rPr lang="fr-FR" dirty="0"/>
+              <a:t>Mise en </a:t>
+            </a:r>
+            <a:r>
+              <a:rPr lang="fr-FR" dirty="0" err="1"/>
+              <a:t>oeuvre</a:t>
+            </a:r>
+            <a:endParaRPr lang="fr-FR" dirty="0"/>
+          </a:p>
+        </p:txBody>
+      </p:sp>
+      <p:sp>
+        <p:nvSpPr>
+          <p:cNvPr id="3" name="Espace réservé du contenu 2">
+            <a:extLst>
+              <a:ext uri="{FF2B5EF4-FFF2-40B4-BE49-F238E27FC236}">
+                <a16:creationId xmlns:a16="http://schemas.microsoft.com/office/drawing/2014/main" id="{53F05C4E-F87C-42EF-B630-4483F1A6DABD}"/>
+              </a:ext>
+            </a:extLst>
+          </p:cNvPr>
+          <p:cNvSpPr>
+            <a:spLocks noGrp="1"/>
+          </p:cNvSpPr>
+          <p:nvPr>
+            <p:ph idx="1"/>
+          </p:nvPr>
+        </p:nvSpPr>
+        <p:spPr>
+          <a:xfrm>
+            <a:off x="810000" y="2583013"/>
+            <a:ext cx="3895901" cy="3636511"/>
+          </a:xfrm>
+        </p:spPr>
+        <p:txBody>
+          <a:bodyPr/>
+          <a:lstStyle/>
+          <a:p>
+            <a:r>
+              <a:rPr lang="fr-FR" dirty="0" err="1"/>
+              <a:t>Versionning</a:t>
+            </a:r>
+            <a:r>
+              <a:rPr lang="fr-FR" dirty="0"/>
+              <a:t> (GitHub)</a:t>
+            </a:r>
+          </a:p>
+          <a:p>
+            <a:r>
+              <a:rPr lang="fr-FR" dirty="0"/>
+              <a:t>Intégration continue</a:t>
+            </a:r>
+          </a:p>
+          <a:p>
+            <a:r>
+              <a:rPr lang="fr-FR" dirty="0"/>
+              <a:t>Test unitaire (a faire)</a:t>
+            </a:r>
+          </a:p>
+          <a:p>
+            <a:r>
+              <a:rPr lang="fr-FR" dirty="0"/>
+              <a:t>Cloud</a:t>
+            </a:r>
+          </a:p>
+          <a:p>
+            <a:r>
+              <a:rPr lang="fr-FR" dirty="0"/>
+              <a:t>Rédaction du cahiers des charges</a:t>
+            </a:r>
+          </a:p>
+          <a:p>
+            <a:r>
+              <a:rPr lang="fr-FR" dirty="0"/>
+              <a:t>Analyse détaillé (UML, Merise)</a:t>
+            </a:r>
+          </a:p>
+          <a:p>
+            <a:r>
+              <a:rPr lang="fr-FR" dirty="0"/>
+              <a:t>Analyse de risque</a:t>
+            </a:r>
+          </a:p>
+          <a:p>
+            <a:r>
+              <a:rPr lang="fr-FR" dirty="0"/>
+              <a:t>…</a:t>
+            </a:r>
+          </a:p>
+          <a:p>
+            <a:endParaRPr lang="fr-FR" dirty="0"/>
+          </a:p>
+          <a:p>
+            <a:endParaRPr lang="fr-FR" dirty="0"/>
+          </a:p>
+        </p:txBody>
+      </p:sp>
+    </p:spTree>
+    <p:extLst>
+      <p:ext uri="{BB962C8B-B14F-4D97-AF65-F5344CB8AC3E}">
+        <p14:creationId xmlns:p14="http://schemas.microsoft.com/office/powerpoint/2010/main" val="3992469964"/>
+      </p:ext>
+    </p:extLst>
+  </p:cSld>
+  <p:clrMapOvr>
+    <a:masterClrMapping/>
+  </p:clrMapOvr>
+</p:sld>
+</file>
+
+<file path=ppt/slides/slide7.xml><?xml version="1.0" encoding="utf-8"?>
+<p:sld xmlns:a="http://schemas.openxmlformats.org/drawingml/2006/main" xmlns:r="http://schemas.openxmlformats.org/officeDocument/2006/relationships" xmlns:p="http://schemas.openxmlformats.org/presentationml/2006/main">
+  <p:cSld>
+    <p:spTree>
+      <p:nvGrpSpPr>
+        <p:cNvPr id="1" name=""/>
+        <p:cNvGrpSpPr/>
+        <p:nvPr/>
+      </p:nvGrpSpPr>
+      <p:grpSpPr>
+        <a:xfrm>
+          <a:off x="0" y="0"/>
+          <a:ext cx="0" cy="0"/>
+          <a:chOff x="0" y="0"/>
+          <a:chExt cx="0" cy="0"/>
+        </a:xfrm>
+      </p:grpSpPr>
+      <p:sp>
+        <p:nvSpPr>
+          <p:cNvPr id="2" name="Titre 1">
+            <a:extLst>
+              <a:ext uri="{FF2B5EF4-FFF2-40B4-BE49-F238E27FC236}">
+                <a16:creationId xmlns:a16="http://schemas.microsoft.com/office/drawing/2014/main" id="{25388600-2B88-4C13-83E5-2AC90718424D}"/>
+              </a:ext>
+            </a:extLst>
+          </p:cNvPr>
+          <p:cNvSpPr>
+            <a:spLocks noGrp="1"/>
+          </p:cNvSpPr>
+          <p:nvPr>
+            <p:ph type="title"/>
+          </p:nvPr>
+        </p:nvSpPr>
+        <p:spPr/>
+        <p:txBody>
+          <a:bodyPr/>
+          <a:lstStyle/>
+          <a:p>
+            <a:r>
+              <a:rPr lang="fr-FR" dirty="0"/>
+              <a:t>Architecture</a:t>
+            </a:r>
+          </a:p>
+        </p:txBody>
+      </p:sp>
+      <p:pic>
+        <p:nvPicPr>
+          <p:cNvPr id="5" name="Image 4">
+            <a:extLst>
+              <a:ext uri="{FF2B5EF4-FFF2-40B4-BE49-F238E27FC236}">
+                <a16:creationId xmlns:a16="http://schemas.microsoft.com/office/drawing/2014/main" id="{F5464513-1326-48E4-A535-C2F2FAE79FC5}"/>
+              </a:ext>
+            </a:extLst>
+          </p:cNvPr>
+          <p:cNvPicPr>
+            <a:picLocks noChangeAspect="1"/>
+          </p:cNvPicPr>
+          <p:nvPr/>
+        </p:nvPicPr>
+        <p:blipFill>
+          <a:blip r:embed="rId2"/>
+          <a:stretch>
+            <a:fillRect/>
+          </a:stretch>
+        </p:blipFill>
+        <p:spPr>
+          <a:xfrm>
+            <a:off x="551838" y="2714491"/>
+            <a:ext cx="5313743" cy="3333969"/>
+          </a:xfrm>
+          <a:prstGeom prst="rect">
+            <a:avLst/>
+          </a:prstGeom>
+        </p:spPr>
+      </p:pic>
+      <p:pic>
+        <p:nvPicPr>
+          <p:cNvPr id="7" name="Image 6">
+            <a:extLst>
+              <a:ext uri="{FF2B5EF4-FFF2-40B4-BE49-F238E27FC236}">
+                <a16:creationId xmlns:a16="http://schemas.microsoft.com/office/drawing/2014/main" id="{4DCB0B13-FD6C-48FA-BB94-FC100F689DAC}"/>
+              </a:ext>
+            </a:extLst>
+          </p:cNvPr>
+          <p:cNvPicPr>
+            <a:picLocks noChangeAspect="1"/>
+          </p:cNvPicPr>
+          <p:nvPr/>
+        </p:nvPicPr>
+        <p:blipFill>
+          <a:blip r:embed="rId3"/>
+          <a:stretch>
+            <a:fillRect/>
+          </a:stretch>
+        </p:blipFill>
+        <p:spPr>
+          <a:xfrm>
+            <a:off x="6752062" y="2567959"/>
+            <a:ext cx="4629936" cy="3627035"/>
+          </a:xfrm>
+          <a:prstGeom prst="rect">
+            <a:avLst/>
+          </a:prstGeom>
+        </p:spPr>
+      </p:pic>
+    </p:spTree>
+    <p:extLst>
+      <p:ext uri="{BB962C8B-B14F-4D97-AF65-F5344CB8AC3E}">
+        <p14:creationId xmlns:p14="http://schemas.microsoft.com/office/powerpoint/2010/main" val="416827492"/>
+      </p:ext>
+    </p:extLst>
+  </p:cSld>
+  <p:clrMapOvr>
+    <a:masterClrMapping/>
+  </p:clrMapOvr>
+</p:sld>
+</file>
+
+<file path=ppt/slides/slide8.xml><?xml version="1.0" encoding="utf-8"?>
+<p:sld xmlns:a="http://schemas.openxmlformats.org/drawingml/2006/main" xmlns:r="http://schemas.openxmlformats.org/officeDocument/2006/relationships" xmlns:p="http://schemas.openxmlformats.org/presentationml/2006/main">
+  <p:cSld>
+    <p:spTree>
+      <p:nvGrpSpPr>
+        <p:cNvPr id="1" name=""/>
+        <p:cNvGrpSpPr/>
+        <p:nvPr/>
+      </p:nvGrpSpPr>
+      <p:grpSpPr>
+        <a:xfrm>
+          <a:off x="0" y="0"/>
+          <a:ext cx="0" cy="0"/>
+          <a:chOff x="0" y="0"/>
+          <a:chExt cx="0" cy="0"/>
+        </a:xfrm>
+      </p:grpSpPr>
+      <p:sp>
+        <p:nvSpPr>
+          <p:cNvPr id="2" name="Titre 1">
+            <a:extLst>
+              <a:ext uri="{FF2B5EF4-FFF2-40B4-BE49-F238E27FC236}">
+                <a16:creationId xmlns:a16="http://schemas.microsoft.com/office/drawing/2014/main" id="{9A514847-E725-464C-8D8D-33BA430EA5C5}"/>
+              </a:ext>
+            </a:extLst>
+          </p:cNvPr>
+          <p:cNvSpPr>
+            <a:spLocks noGrp="1"/>
+          </p:cNvSpPr>
+          <p:nvPr>
+            <p:ph type="title"/>
+          </p:nvPr>
+        </p:nvSpPr>
+        <p:spPr/>
+        <p:txBody>
+          <a:bodyPr/>
+          <a:lstStyle/>
+          <a:p>
+            <a:r>
+              <a:rPr lang="fr-FR" dirty="0"/>
+              <a:t>MCD</a:t>
+            </a:r>
+          </a:p>
+        </p:txBody>
+      </p:sp>
+      <p:pic>
+        <p:nvPicPr>
+          <p:cNvPr id="5" name="Image 4">
+            <a:extLst>
+              <a:ext uri="{FF2B5EF4-FFF2-40B4-BE49-F238E27FC236}">
+                <a16:creationId xmlns:a16="http://schemas.microsoft.com/office/drawing/2014/main" id="{B3E0E23E-02AC-4BD8-B037-C0E183EE5A91}"/>
+              </a:ext>
+            </a:extLst>
+          </p:cNvPr>
+          <p:cNvPicPr>
+            <a:picLocks noChangeAspect="1"/>
+          </p:cNvPicPr>
+          <p:nvPr/>
+        </p:nvPicPr>
+        <p:blipFill>
+          <a:blip r:embed="rId2"/>
+          <a:stretch>
+            <a:fillRect/>
+          </a:stretch>
+        </p:blipFill>
+        <p:spPr>
+          <a:xfrm>
+            <a:off x="6034819" y="-1522"/>
+            <a:ext cx="6157181" cy="6858000"/>
+          </a:xfrm>
+          <a:prstGeom prst="rect">
+            <a:avLst/>
+          </a:prstGeom>
+        </p:spPr>
+      </p:pic>
+      <p:sp>
+        <p:nvSpPr>
+          <p:cNvPr id="6" name="Espace réservé du contenu 2">
+            <a:extLst>
+              <a:ext uri="{FF2B5EF4-FFF2-40B4-BE49-F238E27FC236}">
+                <a16:creationId xmlns:a16="http://schemas.microsoft.com/office/drawing/2014/main" id="{11784A6F-EEFE-4B45-9457-C368DE37B10E}"/>
+              </a:ext>
+            </a:extLst>
+          </p:cNvPr>
+          <p:cNvSpPr>
+            <a:spLocks noGrp="1"/>
+          </p:cNvSpPr>
+          <p:nvPr>
+            <p:ph idx="1"/>
+          </p:nvPr>
+        </p:nvSpPr>
+        <p:spPr>
+          <a:xfrm>
+            <a:off x="306983" y="2473956"/>
+            <a:ext cx="10554574" cy="3636511"/>
+          </a:xfrm>
+        </p:spPr>
+        <p:txBody>
+          <a:bodyPr/>
+          <a:lstStyle/>
+          <a:p>
+            <a:r>
+              <a:rPr lang="fr-FR" sz="1200" dirty="0"/>
+              <a:t>T_E: table entité</a:t>
+            </a:r>
+          </a:p>
+          <a:p>
+            <a:r>
+              <a:rPr lang="fr-FR" sz="1200" dirty="0"/>
+              <a:t>T_R: table ressource</a:t>
+            </a:r>
+          </a:p>
+          <a:p>
+            <a:r>
+              <a:rPr lang="fr-FR" sz="1200" dirty="0"/>
+              <a:t>T_J: table jointure</a:t>
+            </a:r>
+          </a:p>
+          <a:p>
+            <a:r>
+              <a:rPr lang="fr-FR" sz="1200" dirty="0"/>
+              <a:t>T_S: table système</a:t>
+            </a:r>
+          </a:p>
+          <a:p>
+            <a:r>
+              <a:rPr lang="fr-FR" sz="1200" dirty="0"/>
+              <a:t>T_X: ressource externe</a:t>
+            </a:r>
+          </a:p>
+        </p:txBody>
+      </p:sp>
+    </p:spTree>
+    <p:extLst>
+      <p:ext uri="{BB962C8B-B14F-4D97-AF65-F5344CB8AC3E}">
+        <p14:creationId xmlns:p14="http://schemas.microsoft.com/office/powerpoint/2010/main" val="862520497"/>
+      </p:ext>
+    </p:extLst>
+  </p:cSld>
+  <p:clrMapOvr>
+    <a:masterClrMapping/>
+  </p:clrMapOvr>
+</p:sld>
+</file>
+
+<file path=ppt/slides/slide9.xml><?xml version="1.0" encoding="utf-8"?>
+<p:sld xmlns:a="http://schemas.openxmlformats.org/drawingml/2006/main" xmlns:r="http://schemas.openxmlformats.org/officeDocument/2006/relationships" xmlns:p="http://schemas.openxmlformats.org/presentationml/2006/main">
+  <p:cSld>
+    <p:spTree>
+      <p:nvGrpSpPr>
+        <p:cNvPr id="1" name=""/>
+        <p:cNvGrpSpPr/>
+        <p:nvPr/>
+      </p:nvGrpSpPr>
+      <p:grpSpPr>
+        <a:xfrm>
+          <a:off x="0" y="0"/>
+          <a:ext cx="0" cy="0"/>
+          <a:chOff x="0" y="0"/>
+          <a:chExt cx="0" cy="0"/>
+        </a:xfrm>
+      </p:grpSpPr>
+      <p:sp>
+        <p:nvSpPr>
+          <p:cNvPr id="2" name="Titre 1">
+            <a:extLst>
+              <a:ext uri="{FF2B5EF4-FFF2-40B4-BE49-F238E27FC236}">
+                <a16:creationId xmlns:a16="http://schemas.microsoft.com/office/drawing/2014/main" id="{F7732BA5-9AE6-46DF-87E9-0AE7B0CE94CC}"/>
+              </a:ext>
+            </a:extLst>
+          </p:cNvPr>
+          <p:cNvSpPr>
+            <a:spLocks noGrp="1"/>
+          </p:cNvSpPr>
+          <p:nvPr>
+            <p:ph type="title"/>
+          </p:nvPr>
+        </p:nvSpPr>
+        <p:spPr/>
+        <p:txBody>
+          <a:bodyPr/>
+          <a:lstStyle/>
+          <a:p>
+            <a:r>
+              <a:rPr lang="fr-FR" dirty="0"/>
+              <a:t>Fonctionnalités</a:t>
+            </a:r>
+          </a:p>
+        </p:txBody>
+      </p:sp>
+      <p:sp>
+        <p:nvSpPr>
+          <p:cNvPr id="3" name="Espace réservé du contenu 2">
+            <a:extLst>
+              <a:ext uri="{FF2B5EF4-FFF2-40B4-BE49-F238E27FC236}">
+                <a16:creationId xmlns:a16="http://schemas.microsoft.com/office/drawing/2014/main" id="{F01C8A4A-EAA0-46AC-A065-E69C00765F28}"/>
+              </a:ext>
+            </a:extLst>
+          </p:cNvPr>
+          <p:cNvSpPr>
+            <a:spLocks noGrp="1"/>
+          </p:cNvSpPr>
+          <p:nvPr>
+            <p:ph idx="1"/>
+          </p:nvPr>
+        </p:nvSpPr>
+        <p:spPr>
+          <a:xfrm>
+            <a:off x="172759" y="2432011"/>
+            <a:ext cx="3845567" cy="3636511"/>
+          </a:xfrm>
+        </p:spPr>
+        <p:txBody>
+          <a:bodyPr>
+            <a:normAutofit/>
+          </a:bodyPr>
+          <a:lstStyle/>
+          <a:p>
+            <a:r>
+              <a:rPr lang="fr-FR" sz="1200" dirty="0"/>
+              <a:t>Gestion des offres</a:t>
+            </a:r>
+          </a:p>
+          <a:p>
+            <a:r>
+              <a:rPr lang="fr-FR" sz="1200" dirty="0"/>
+              <a:t>Gestion des prospects</a:t>
+            </a:r>
+          </a:p>
+          <a:p>
+            <a:r>
+              <a:rPr lang="fr-FR" sz="1200" dirty="0"/>
+              <a:t>Gestion des listes de référentiels</a:t>
+            </a:r>
+          </a:p>
+          <a:p>
+            <a:r>
+              <a:rPr lang="fr-FR" sz="1200" dirty="0"/>
+              <a:t>Personnalisation</a:t>
+            </a:r>
+          </a:p>
+          <a:p>
+            <a:r>
+              <a:rPr lang="fr-FR" sz="1200" dirty="0"/>
+              <a:t>Gérer les utilisateurs</a:t>
+            </a:r>
+          </a:p>
+          <a:p>
+            <a:r>
+              <a:rPr lang="fr-FR" sz="1200" dirty="0"/>
+              <a:t>Connexion</a:t>
+            </a:r>
+          </a:p>
+          <a:p>
+            <a:pPr marL="0" indent="0">
+              <a:buNone/>
+            </a:pPr>
+            <a:endParaRPr lang="fr-FR" sz="1200" dirty="0"/>
+          </a:p>
+        </p:txBody>
+      </p:sp>
+      <p:pic>
+        <p:nvPicPr>
+          <p:cNvPr id="4" name="Image 3">
+            <a:extLst>
+              <a:ext uri="{FF2B5EF4-FFF2-40B4-BE49-F238E27FC236}">
+                <a16:creationId xmlns:a16="http://schemas.microsoft.com/office/drawing/2014/main" id="{6096A467-1A2E-4FAE-A878-814930A7F51A}"/>
+              </a:ext>
+            </a:extLst>
+          </p:cNvPr>
+          <p:cNvPicPr>
+            <a:picLocks noChangeAspect="1"/>
+          </p:cNvPicPr>
+          <p:nvPr/>
+        </p:nvPicPr>
+        <p:blipFill>
+          <a:blip r:embed="rId2"/>
+          <a:stretch>
+            <a:fillRect/>
+          </a:stretch>
+        </p:blipFill>
+        <p:spPr>
+          <a:xfrm>
+            <a:off x="3875714" y="2432011"/>
+            <a:ext cx="7418664" cy="3742936"/>
+          </a:xfrm>
+          <a:prstGeom prst="rect">
+            <a:avLst/>
+          </a:prstGeom>
+        </p:spPr>
+      </p:pic>
+    </p:spTree>
+    <p:extLst>
+      <p:ext uri="{BB962C8B-B14F-4D97-AF65-F5344CB8AC3E}">
+        <p14:creationId xmlns:p14="http://schemas.microsoft.com/office/powerpoint/2010/main" val="698124689"/>
       </p:ext>
     </p:extLst>
   </p:cSld>
